--- a/docs/assets/fractals/curves/dragon.pptx
+++ b/docs/assets/fractals/curves/dragon.pptx
@@ -107,6 +107,11 @@
       </a:defRPr>
     </a:lvl9pPr>
   </p:defaultTextStyle>
+  <p:extLst>
+    <p:ext uri="{EFAFB233-063F-42B5-8137-9DF3F51BA10A}">
+      <p15:sldGuideLst xmlns:p15="http://schemas.microsoft.com/office/powerpoint/2012/main"/>
+    </p:ext>
+  </p:extLst>
 </p:presentation>
 </file>
 
@@ -192,7 +197,7 @@
           <a:p>
             <a:fld id="{B3645E82-7B42-A74F-8BFC-0AA10BEB2623}" type="datetimeFigureOut">
               <a:rPr lang="en-GB" smtClean="0"/>
-              <a:t>07/07/2024</a:t>
+              <a:t>10/11/2024</a:t>
             </a:fld>
             <a:endParaRPr lang="en-GB"/>
           </a:p>
@@ -693,7 +698,7 @@
           <a:p>
             <a:fld id="{CD0E8049-E101-1D4D-AC32-01FB6D0C811C}" type="datetimeFigureOut">
               <a:rPr lang="en-GB" smtClean="0"/>
-              <a:t>07/07/2024</a:t>
+              <a:t>10/11/2024</a:t>
             </a:fld>
             <a:endParaRPr lang="en-GB"/>
           </a:p>
@@ -863,7 +868,7 @@
           <a:p>
             <a:fld id="{CD0E8049-E101-1D4D-AC32-01FB6D0C811C}" type="datetimeFigureOut">
               <a:rPr lang="en-GB" smtClean="0"/>
-              <a:t>07/07/2024</a:t>
+              <a:t>10/11/2024</a:t>
             </a:fld>
             <a:endParaRPr lang="en-GB"/>
           </a:p>
@@ -1043,7 +1048,7 @@
           <a:p>
             <a:fld id="{CD0E8049-E101-1D4D-AC32-01FB6D0C811C}" type="datetimeFigureOut">
               <a:rPr lang="en-GB" smtClean="0"/>
-              <a:t>07/07/2024</a:t>
+              <a:t>10/11/2024</a:t>
             </a:fld>
             <a:endParaRPr lang="en-GB"/>
           </a:p>
@@ -1213,7 +1218,7 @@
           <a:p>
             <a:fld id="{CD0E8049-E101-1D4D-AC32-01FB6D0C811C}" type="datetimeFigureOut">
               <a:rPr lang="en-GB" smtClean="0"/>
-              <a:t>07/07/2024</a:t>
+              <a:t>10/11/2024</a:t>
             </a:fld>
             <a:endParaRPr lang="en-GB"/>
           </a:p>
@@ -1457,7 +1462,7 @@
           <a:p>
             <a:fld id="{CD0E8049-E101-1D4D-AC32-01FB6D0C811C}" type="datetimeFigureOut">
               <a:rPr lang="en-GB" smtClean="0"/>
-              <a:t>07/07/2024</a:t>
+              <a:t>10/11/2024</a:t>
             </a:fld>
             <a:endParaRPr lang="en-GB"/>
           </a:p>
@@ -1689,7 +1694,7 @@
           <a:p>
             <a:fld id="{CD0E8049-E101-1D4D-AC32-01FB6D0C811C}" type="datetimeFigureOut">
               <a:rPr lang="en-GB" smtClean="0"/>
-              <a:t>07/07/2024</a:t>
+              <a:t>10/11/2024</a:t>
             </a:fld>
             <a:endParaRPr lang="en-GB"/>
           </a:p>
@@ -2056,7 +2061,7 @@
           <a:p>
             <a:fld id="{CD0E8049-E101-1D4D-AC32-01FB6D0C811C}" type="datetimeFigureOut">
               <a:rPr lang="en-GB" smtClean="0"/>
-              <a:t>07/07/2024</a:t>
+              <a:t>10/11/2024</a:t>
             </a:fld>
             <a:endParaRPr lang="en-GB"/>
           </a:p>
@@ -2174,7 +2179,7 @@
           <a:p>
             <a:fld id="{CD0E8049-E101-1D4D-AC32-01FB6D0C811C}" type="datetimeFigureOut">
               <a:rPr lang="en-GB" smtClean="0"/>
-              <a:t>07/07/2024</a:t>
+              <a:t>10/11/2024</a:t>
             </a:fld>
             <a:endParaRPr lang="en-GB"/>
           </a:p>
@@ -2269,7 +2274,7 @@
           <a:p>
             <a:fld id="{CD0E8049-E101-1D4D-AC32-01FB6D0C811C}" type="datetimeFigureOut">
               <a:rPr lang="en-GB" smtClean="0"/>
-              <a:t>07/07/2024</a:t>
+              <a:t>10/11/2024</a:t>
             </a:fld>
             <a:endParaRPr lang="en-GB"/>
           </a:p>
@@ -2546,7 +2551,7 @@
           <a:p>
             <a:fld id="{CD0E8049-E101-1D4D-AC32-01FB6D0C811C}" type="datetimeFigureOut">
               <a:rPr lang="en-GB" smtClean="0"/>
-              <a:t>07/07/2024</a:t>
+              <a:t>10/11/2024</a:t>
             </a:fld>
             <a:endParaRPr lang="en-GB"/>
           </a:p>
@@ -2803,7 +2808,7 @@
           <a:p>
             <a:fld id="{CD0E8049-E101-1D4D-AC32-01FB6D0C811C}" type="datetimeFigureOut">
               <a:rPr lang="en-GB" smtClean="0"/>
-              <a:t>07/07/2024</a:t>
+              <a:t>10/11/2024</a:t>
             </a:fld>
             <a:endParaRPr lang="en-GB"/>
           </a:p>
@@ -3016,7 +3021,7 @@
           <a:p>
             <a:fld id="{CD0E8049-E101-1D4D-AC32-01FB6D0C811C}" type="datetimeFigureOut">
               <a:rPr lang="en-GB" smtClean="0"/>
-              <a:t>07/07/2024</a:t>
+              <a:t>10/11/2024</a:t>
             </a:fld>
             <a:endParaRPr lang="en-GB"/>
           </a:p>
@@ -3421,43 +3426,8 @@
           <a:chExt cx="0" cy="0"/>
         </a:xfrm>
       </p:grpSpPr>
-      <p:sp>
-        <p:nvSpPr>
-          <p:cNvPr id="2" name="Title 1">
-            <a:extLst>
-              <a:ext uri="{FF2B5EF4-FFF2-40B4-BE49-F238E27FC236}">
-                <a16:creationId xmlns:a16="http://schemas.microsoft.com/office/drawing/2014/main" id="{751C33B3-9842-1744-B871-8AA314CE25EF}"/>
-              </a:ext>
-            </a:extLst>
-          </p:cNvPr>
-          <p:cNvSpPr>
-            <a:spLocks noGrp="1"/>
-          </p:cNvSpPr>
-          <p:nvPr>
-            <p:ph type="title"/>
-          </p:nvPr>
-        </p:nvSpPr>
-        <p:spPr>
-          <a:xfrm>
-            <a:off x="594053" y="-665020"/>
-            <a:ext cx="7452658" cy="504174"/>
-          </a:xfrm>
-        </p:spPr>
-        <p:txBody>
-          <a:bodyPr>
-            <a:normAutofit/>
-          </a:bodyPr>
-          <a:lstStyle/>
-          <a:p>
-            <a:r>
-              <a:rPr lang="en-US" sz="2000" dirty="0"/>
-              <a:t>Dragon Curve</a:t>
-            </a:r>
-          </a:p>
-        </p:txBody>
-      </p:sp>
-      <mc:AlternateContent xmlns:mc="http://schemas.openxmlformats.org/markup-compatibility/2006" xmlns:pslz="http://schemas.microsoft.com/office/powerpoint/2016/slidezoom">
-        <mc:Choice Requires="pslz">
+      <mc:AlternateContent xmlns:mc="http://schemas.openxmlformats.org/markup-compatibility/2006">
+        <mc:Choice xmlns:pslz="http://schemas.microsoft.com/office/powerpoint/2016/slidezoom" Requires="pslz">
           <p:graphicFrame>
             <p:nvGraphicFramePr>
               <p:cNvPr id="4" name="Slide Zoom 3">
@@ -3470,11 +3440,17 @@
               <p:cNvGraphicFramePr>
                 <a:graphicFrameLocks noChangeAspect="1"/>
               </p:cNvGraphicFramePr>
-              <p:nvPr/>
+              <p:nvPr>
+                <p:extLst>
+                  <p:ext uri="{D42A27DB-BD31-4B8C-83A1-F6EECF244321}">
+                    <p14:modId xmlns:p14="http://schemas.microsoft.com/office/powerpoint/2010/main" val="670606072"/>
+                  </p:ext>
+                </p:extLst>
+              </p:nvPr>
             </p:nvGraphicFramePr>
             <p:xfrm rot="2700000">
-              <a:off x="-270000" y="1051200"/>
-              <a:ext cx="6120000" cy="5099062"/>
+              <a:off x="-530256" y="880434"/>
+              <a:ext cx="6109943" cy="5090683"/>
             </p:xfrm>
             <a:graphic>
               <a:graphicData uri="http://schemas.microsoft.com/office/powerpoint/2016/slidezoom">
@@ -3490,7 +3466,7 @@
                       <p166:spPr xmlns:p166="http://schemas.microsoft.com/office/powerpoint/2016/6/main">
                         <a:xfrm rot="2700000">
                           <a:off x="0" y="0"/>
-                          <a:ext cx="6120000" cy="5099062"/>
+                          <a:ext cx="6109943" cy="5090683"/>
                         </a:xfrm>
                         <a:prstGeom prst="rect">
                           <a:avLst/>
@@ -3503,10 +3479,11 @@
             </a:graphic>
           </p:graphicFrame>
         </mc:Choice>
-        <mc:Fallback xmlns="">
+        <mc:Fallback>
           <p:pic>
             <p:nvPicPr>
               <p:cNvPr id="4" name="Slide Zoom 3">
+                <a:hlinkClick r:id="rId4" action="ppaction://hlinksldjump"/>
                 <a:extLst>
                   <a:ext uri="{FF2B5EF4-FFF2-40B4-BE49-F238E27FC236}">
                     <a16:creationId xmlns:a16="http://schemas.microsoft.com/office/drawing/2014/main" id="{DBB49A35-5931-E242-9C10-C346B0A9CAA0}"/>
@@ -3519,15 +3496,15 @@
               <p:nvPr/>
             </p:nvPicPr>
             <p:blipFill>
-              <a:blip r:embed="rId4"/>
+              <a:blip r:embed="rId3"/>
               <a:stretch>
                 <a:fillRect/>
               </a:stretch>
             </p:blipFill>
             <p:spPr>
               <a:xfrm rot="2700000">
-                <a:off x="-270000" y="1051200"/>
-                <a:ext cx="6120000" cy="5099062"/>
+                <a:off x="-530256" y="880434"/>
+                <a:ext cx="6109943" cy="5090683"/>
               </a:xfrm>
               <a:prstGeom prst="rect">
                 <a:avLst/>
@@ -3536,8 +3513,8 @@
           </p:pic>
         </mc:Fallback>
       </mc:AlternateContent>
-      <mc:AlternateContent xmlns:mc="http://schemas.openxmlformats.org/markup-compatibility/2006" xmlns:pslz="http://schemas.microsoft.com/office/powerpoint/2016/slidezoom">
-        <mc:Choice Requires="pslz">
+      <mc:AlternateContent xmlns:mc="http://schemas.openxmlformats.org/markup-compatibility/2006">
+        <mc:Choice xmlns:pslz="http://schemas.microsoft.com/office/powerpoint/2016/slidezoom" Requires="pslz">
           <p:graphicFrame>
             <p:nvGraphicFramePr>
               <p:cNvPr id="9" name="Slide Zoom 8">
@@ -3550,11 +3527,17 @@
               <p:cNvGraphicFramePr>
                 <a:graphicFrameLocks noChangeAspect="1"/>
               </p:cNvGraphicFramePr>
-              <p:nvPr/>
+              <p:nvPr>
+                <p:extLst>
+                  <p:ext uri="{D42A27DB-BD31-4B8C-83A1-F6EECF244321}">
+                    <p14:modId xmlns:p14="http://schemas.microsoft.com/office/powerpoint/2010/main" val="2281959259"/>
+                  </p:ext>
+                </p:extLst>
+              </p:nvPr>
             </p:nvGraphicFramePr>
             <p:xfrm rot="8100000">
-              <a:off x="2433712" y="2131200"/>
-              <a:ext cx="6120000" cy="5099062"/>
+              <a:off x="2433230" y="2291212"/>
+              <a:ext cx="6109943" cy="5090683"/>
             </p:xfrm>
             <a:graphic>
               <a:graphicData uri="http://schemas.microsoft.com/office/powerpoint/2016/slidezoom">
@@ -3570,7 +3553,7 @@
                       <p166:spPr xmlns:p166="http://schemas.microsoft.com/office/powerpoint/2016/6/main">
                         <a:xfrm rot="8100000">
                           <a:off x="0" y="0"/>
-                          <a:ext cx="6120000" cy="5099062"/>
+                          <a:ext cx="6109943" cy="5090683"/>
                         </a:xfrm>
                         <a:prstGeom prst="rect">
                           <a:avLst/>
@@ -3583,10 +3566,11 @@
             </a:graphic>
           </p:graphicFrame>
         </mc:Choice>
-        <mc:Fallback xmlns="">
+        <mc:Fallback>
           <p:pic>
             <p:nvPicPr>
               <p:cNvPr id="9" name="Slide Zoom 8">
+                <a:hlinkClick r:id="rId4" action="ppaction://hlinksldjump"/>
                 <a:extLst>
                   <a:ext uri="{FF2B5EF4-FFF2-40B4-BE49-F238E27FC236}">
                     <a16:creationId xmlns:a16="http://schemas.microsoft.com/office/drawing/2014/main" id="{B0D9E518-B5DC-9743-9A3D-D28E61A8568C}"/>
@@ -3599,15 +3583,15 @@
               <p:nvPr/>
             </p:nvPicPr>
             <p:blipFill>
-              <a:blip r:embed="rId6"/>
+              <a:blip r:embed="rId5"/>
               <a:stretch>
                 <a:fillRect/>
               </a:stretch>
             </p:blipFill>
             <p:spPr>
               <a:xfrm rot="8100000">
-                <a:off x="2433712" y="2131200"/>
-                <a:ext cx="6120000" cy="5099062"/>
+                <a:off x="2433230" y="2291212"/>
+                <a:ext cx="6109943" cy="5090683"/>
               </a:xfrm>
               <a:prstGeom prst="rect">
                 <a:avLst/>
